--- a/Документация/Защита.pptx
+++ b/Документация/Защита.pptx
@@ -11235,13 +11235,13 @@
   <p:clrMapOvr>
     <a:masterClrMapping/>
   </p:clrMapOvr>
-  <mc:AlternateContent xmlns:mc="http://schemas.openxmlformats.org/markup-compatibility/2006">
-    <mc:Choice xmlns:p14="http://schemas.microsoft.com/office/powerpoint/2010/main" Requires="p14">
+  <mc:AlternateContent xmlns:mc="http://schemas.openxmlformats.org/markup-compatibility/2006" xmlns:p14="http://schemas.microsoft.com/office/powerpoint/2010/main">
+    <mc:Choice Requires="p14">
       <p:transition spd="slow" p14:dur="1600">
         <p14:conveyor dir="l"/>
       </p:transition>
     </mc:Choice>
-    <mc:Fallback>
+    <mc:Fallback xmlns="">
       <p:transition spd="slow">
         <p:fade/>
       </p:transition>
@@ -11530,6 +11530,40 @@
           </a:p>
         </p:txBody>
       </p:sp>
+      <p:pic>
+        <p:nvPicPr>
+          <p:cNvPr id="3" name="Рисунок 2">
+            <a:extLst>
+              <a:ext uri="{FF2B5EF4-FFF2-40B4-BE49-F238E27FC236}">
+                <a16:creationId xmlns:a16="http://schemas.microsoft.com/office/drawing/2014/main" id="{B86CC34B-A67B-9E51-C583-74A5326FBF66}"/>
+              </a:ext>
+            </a:extLst>
+          </p:cNvPr>
+          <p:cNvPicPr>
+            <a:picLocks noChangeAspect="1"/>
+          </p:cNvPicPr>
+          <p:nvPr/>
+        </p:nvPicPr>
+        <p:blipFill>
+          <a:blip r:embed="rId2"/>
+          <a:srcRect l="8843" t="9525" r="9220" b="3749"/>
+          <a:stretch/>
+        </p:blipFill>
+        <p:spPr>
+          <a:xfrm>
+            <a:off x="3864077" y="1570181"/>
+            <a:ext cx="4463845" cy="4451206"/>
+          </a:xfrm>
+          <a:prstGeom prst="rect">
+            <a:avLst/>
+          </a:prstGeom>
+          <a:ln w="12700">
+            <a:solidFill>
+              <a:schemeClr val="tx1"/>
+            </a:solidFill>
+          </a:ln>
+        </p:spPr>
+      </p:pic>
     </p:spTree>
     <p:extLst>
       <p:ext uri="{BB962C8B-B14F-4D97-AF65-F5344CB8AC3E}">
